--- a/angularjs/slides/03_Views.pptx
+++ b/angularjs/slides/03_Views.pptx
@@ -5,27 +5,33 @@
     <p:sldMasterId id="2147483772" r:id="rId1"/>
   </p:sldMasterIdLst>
   <p:notesMasterIdLst>
-    <p:notesMasterId r:id="rId17"/>
+    <p:notesMasterId r:id="rId23"/>
   </p:notesMasterIdLst>
   <p:handoutMasterIdLst>
-    <p:handoutMasterId r:id="rId18"/>
+    <p:handoutMasterId r:id="rId24"/>
   </p:handoutMasterIdLst>
   <p:sldIdLst>
     <p:sldId id="327" r:id="rId2"/>
     <p:sldId id="348" r:id="rId3"/>
-    <p:sldId id="349" r:id="rId4"/>
-    <p:sldId id="356" r:id="rId5"/>
-    <p:sldId id="357" r:id="rId6"/>
-    <p:sldId id="358" r:id="rId7"/>
-    <p:sldId id="354" r:id="rId8"/>
-    <p:sldId id="352" r:id="rId9"/>
-    <p:sldId id="353" r:id="rId10"/>
-    <p:sldId id="350" r:id="rId11"/>
-    <p:sldId id="351" r:id="rId12"/>
-    <p:sldId id="346" r:id="rId13"/>
-    <p:sldId id="355" r:id="rId14"/>
-    <p:sldId id="347" r:id="rId15"/>
-    <p:sldId id="345" r:id="rId16"/>
+    <p:sldId id="361" r:id="rId4"/>
+    <p:sldId id="349" r:id="rId5"/>
+    <p:sldId id="360" r:id="rId6"/>
+    <p:sldId id="363" r:id="rId7"/>
+    <p:sldId id="364" r:id="rId8"/>
+    <p:sldId id="356" r:id="rId9"/>
+    <p:sldId id="357" r:id="rId10"/>
+    <p:sldId id="359" r:id="rId11"/>
+    <p:sldId id="358" r:id="rId12"/>
+    <p:sldId id="365" r:id="rId13"/>
+    <p:sldId id="353" r:id="rId14"/>
+    <p:sldId id="352" r:id="rId15"/>
+    <p:sldId id="350" r:id="rId16"/>
+    <p:sldId id="351" r:id="rId17"/>
+    <p:sldId id="362" r:id="rId18"/>
+    <p:sldId id="346" r:id="rId19"/>
+    <p:sldId id="355" r:id="rId20"/>
+    <p:sldId id="347" r:id="rId21"/>
+    <p:sldId id="345" r:id="rId22"/>
   </p:sldIdLst>
   <p:sldSz cx="9144000" cy="6858000" type="screen4x3"/>
   <p:notesSz cx="7302500" cy="9588500"/>
@@ -278,7 +284,7 @@
               <a:pPr>
                 <a:defRPr/>
               </a:pPr>
-              <a:t>11/24/2013</a:t>
+              <a:t>11/27/2013</a:t>
             </a:fld>
             <a:endParaRPr lang="en-US"/>
           </a:p>
@@ -2441,8 +2447,9 @@
             <a:pPr marL="0" indent="0" defTabSz="914400" eaLnBrk="1" hangingPunct="1"/>
             <a:r>
               <a:rPr lang="en-US" dirty="0" smtClean="0"/>
-              <a:t>Views and Forms</a:t>
-            </a:r>
+              <a:t>Views, Forms, $Scope</a:t>
+            </a:r>
+            <a:endParaRPr lang="en-US" dirty="0" smtClean="0"/>
           </a:p>
         </p:txBody>
       </p:sp>
@@ -2562,7 +2569,7 @@
           <a:p>
             <a:r>
               <a:rPr lang="en-US" dirty="0" smtClean="0"/>
-              <a:t>Filters</a:t>
+              <a:t>Other $apply considerations</a:t>
             </a:r>
             <a:endParaRPr lang="en-US" dirty="0"/>
           </a:p>
@@ -2585,23 +2592,71 @@
           <a:p>
             <a:r>
               <a:rPr lang="en-US" dirty="0" smtClean="0"/>
-              <a:t>Formatting and modifying model data</a:t>
-            </a:r>
-          </a:p>
-          <a:p>
-            <a:pPr lvl="1"/>
-            <a:r>
-              <a:rPr lang="en-US" dirty="0" smtClean="0"/>
-              <a:t>Sorting, filtering, formatting dates</a:t>
+              <a:t>Don’t call apply during an apply</a:t>
+            </a:r>
+          </a:p>
+          <a:p>
+            <a:r>
+              <a:rPr lang="en-US" dirty="0" smtClean="0"/>
+              <a:t>Promises technically don’t resolve until there is a digest</a:t>
             </a:r>
             <a:endParaRPr lang="en-US" dirty="0"/>
           </a:p>
+          <a:p>
+            <a:endParaRPr lang="en-US" dirty="0"/>
+          </a:p>
         </p:txBody>
       </p:sp>
+      <p:pic>
+        <p:nvPicPr>
+          <p:cNvPr id="5" name="Picture 4"/>
+          <p:cNvPicPr>
+            <a:picLocks noChangeAspect="1"/>
+          </p:cNvPicPr>
+          <p:nvPr/>
+        </p:nvPicPr>
+        <p:blipFill>
+          <a:blip r:embed="rId2">
+            <a:extLst>
+              <a:ext uri="{BEBA8EAE-BF5A-486C-A8C5-ECC9F3942E4B}">
+                <a14:imgProps xmlns:a14="http://schemas.microsoft.com/office/drawing/2010/main">
+                  <a14:imgLayer r:embed="rId3">
+                    <a14:imgEffect>
+                      <a14:colorTemperature colorTemp="11200"/>
+                    </a14:imgEffect>
+                  </a14:imgLayer>
+                </a14:imgProps>
+              </a:ext>
+            </a:extLst>
+          </a:blip>
+          <a:stretch>
+            <a:fillRect/>
+          </a:stretch>
+        </p:blipFill>
+        <p:spPr>
+          <a:xfrm>
+            <a:off x="1371600" y="2743200"/>
+            <a:ext cx="6029325" cy="2952750"/>
+          </a:xfrm>
+          <a:prstGeom prst="rect">
+            <a:avLst/>
+          </a:prstGeom>
+          <a:ln>
+            <a:noFill/>
+          </a:ln>
+          <a:effectLst>
+            <a:outerShdw blurRad="292100" dist="139700" dir="2700000" algn="tl" rotWithShape="0">
+              <a:srgbClr val="333333">
+                <a:alpha val="65000"/>
+              </a:srgbClr>
+            </a:outerShdw>
+          </a:effectLst>
+        </p:spPr>
+      </p:pic>
     </p:spTree>
     <p:extLst>
       <p:ext uri="{BB962C8B-B14F-4D97-AF65-F5344CB8AC3E}">
-        <p14:creationId xmlns:p14="http://schemas.microsoft.com/office/powerpoint/2010/main" val="1456426265"/>
+        <p14:creationId xmlns:p14="http://schemas.microsoft.com/office/powerpoint/2010/main" val="3089478195"/>
       </p:ext>
     </p:extLst>
   </p:cSld>
@@ -2648,7 +2703,7 @@
           <a:p>
             <a:r>
               <a:rPr lang="en-US" dirty="0" smtClean="0"/>
-              <a:t>Custom Filters</a:t>
+              <a:t>$watch</a:t>
             </a:r>
             <a:endParaRPr lang="en-US" dirty="0"/>
           </a:p>
@@ -2669,14 +2724,74 @@
           <a:bodyPr/>
           <a:lstStyle/>
           <a:p>
-            <a:endParaRPr lang="en-US"/>
+            <a:r>
+              <a:rPr lang="en-US" dirty="0" smtClean="0"/>
+              <a:t>$watch provides th</a:t>
+            </a:r>
+            <a:r>
+              <a:rPr lang="en-US" dirty="0" smtClean="0"/>
+              <a:t>e ability to listen for changes</a:t>
+            </a:r>
+          </a:p>
+          <a:p>
+            <a:r>
+              <a:rPr lang="en-US" dirty="0" smtClean="0"/>
+              <a:t>Beware of digest iterations</a:t>
+            </a:r>
+            <a:endParaRPr lang="en-US" dirty="0"/>
           </a:p>
         </p:txBody>
       </p:sp>
+      <p:pic>
+        <p:nvPicPr>
+          <p:cNvPr id="4" name="Picture 3"/>
+          <p:cNvPicPr>
+            <a:picLocks noChangeAspect="1"/>
+          </p:cNvPicPr>
+          <p:nvPr/>
+        </p:nvPicPr>
+        <p:blipFill>
+          <a:blip r:embed="rId2">
+            <a:extLst>
+              <a:ext uri="{BEBA8EAE-BF5A-486C-A8C5-ECC9F3942E4B}">
+                <a14:imgProps xmlns:a14="http://schemas.microsoft.com/office/drawing/2010/main">
+                  <a14:imgLayer r:embed="rId3">
+                    <a14:imgEffect>
+                      <a14:colorTemperature colorTemp="11200"/>
+                    </a14:imgEffect>
+                  </a14:imgLayer>
+                </a14:imgProps>
+              </a:ext>
+            </a:extLst>
+          </a:blip>
+          <a:stretch>
+            <a:fillRect/>
+          </a:stretch>
+        </p:blipFill>
+        <p:spPr>
+          <a:xfrm>
+            <a:off x="1524000" y="3286125"/>
+            <a:ext cx="5467350" cy="819150"/>
+          </a:xfrm>
+          <a:prstGeom prst="rect">
+            <a:avLst/>
+          </a:prstGeom>
+          <a:ln>
+            <a:noFill/>
+          </a:ln>
+          <a:effectLst>
+            <a:outerShdw blurRad="292100" dist="139700" dir="2700000" algn="tl" rotWithShape="0">
+              <a:srgbClr val="333333">
+                <a:alpha val="65000"/>
+              </a:srgbClr>
+            </a:outerShdw>
+          </a:effectLst>
+        </p:spPr>
+      </p:pic>
     </p:spTree>
     <p:extLst>
       <p:ext uri="{BB962C8B-B14F-4D97-AF65-F5344CB8AC3E}">
-        <p14:creationId xmlns:p14="http://schemas.microsoft.com/office/powerpoint/2010/main" val="3547705373"/>
+        <p14:creationId xmlns:p14="http://schemas.microsoft.com/office/powerpoint/2010/main" val="1289655384"/>
       </p:ext>
     </p:extLst>
   </p:cSld>
@@ -2723,7 +2838,7 @@
           <a:p>
             <a:r>
               <a:rPr lang="en-US" dirty="0" smtClean="0"/>
-              <a:t>Partial Views</a:t>
+              <a:t>Working With Forms</a:t>
             </a:r>
             <a:endParaRPr lang="en-US" dirty="0"/>
           </a:p>
@@ -2744,14 +2859,89 @@
           <a:bodyPr/>
           <a:lstStyle/>
           <a:p>
-            <a:endParaRPr lang="en-US"/>
+            <a:r>
+              <a:rPr lang="en-US" dirty="0" err="1" smtClean="0"/>
+              <a:t>FormController</a:t>
+            </a:r>
+            <a:r>
+              <a:rPr lang="en-US" dirty="0" smtClean="0"/>
+              <a:t> can attach to named forms</a:t>
+            </a:r>
+          </a:p>
+          <a:p>
+            <a:pPr lvl="1"/>
+            <a:r>
+              <a:rPr lang="en-US" dirty="0" smtClean="0"/>
+              <a:t>Tracks state and validity</a:t>
+            </a:r>
+          </a:p>
+          <a:p>
+            <a:pPr lvl="1"/>
+            <a:r>
+              <a:rPr lang="en-US" dirty="0" smtClean="0"/>
+              <a:t>Adds and removes CSS classes to help drive UI</a:t>
+            </a:r>
+          </a:p>
+          <a:p>
+            <a:pPr lvl="1"/>
+            <a:r>
+              <a:rPr lang="en-US" dirty="0" smtClean="0"/>
+              <a:t>Published into scope when given a name</a:t>
+            </a:r>
+            <a:endParaRPr lang="en-US" dirty="0"/>
           </a:p>
         </p:txBody>
       </p:sp>
+      <p:pic>
+        <p:nvPicPr>
+          <p:cNvPr id="4" name="Picture 3"/>
+          <p:cNvPicPr>
+            <a:picLocks noChangeAspect="1"/>
+          </p:cNvPicPr>
+          <p:nvPr/>
+        </p:nvPicPr>
+        <p:blipFill>
+          <a:blip r:embed="rId2">
+            <a:extLst>
+              <a:ext uri="{BEBA8EAE-BF5A-486C-A8C5-ECC9F3942E4B}">
+                <a14:imgProps xmlns:a14="http://schemas.microsoft.com/office/drawing/2010/main">
+                  <a14:imgLayer r:embed="rId3">
+                    <a14:imgEffect>
+                      <a14:colorTemperature colorTemp="11200"/>
+                    </a14:imgEffect>
+                  </a14:imgLayer>
+                </a14:imgProps>
+              </a:ext>
+            </a:extLst>
+          </a:blip>
+          <a:stretch>
+            <a:fillRect/>
+          </a:stretch>
+        </p:blipFill>
+        <p:spPr>
+          <a:xfrm>
+            <a:off x="195262" y="3286125"/>
+            <a:ext cx="8753475" cy="2276475"/>
+          </a:xfrm>
+          <a:prstGeom prst="rect">
+            <a:avLst/>
+          </a:prstGeom>
+          <a:ln>
+            <a:noFill/>
+          </a:ln>
+          <a:effectLst>
+            <a:outerShdw blurRad="292100" dist="139700" dir="2700000" algn="tl" rotWithShape="0">
+              <a:srgbClr val="333333">
+                <a:alpha val="65000"/>
+              </a:srgbClr>
+            </a:outerShdw>
+          </a:effectLst>
+        </p:spPr>
+      </p:pic>
     </p:spTree>
     <p:extLst>
       <p:ext uri="{BB962C8B-B14F-4D97-AF65-F5344CB8AC3E}">
-        <p14:creationId xmlns:p14="http://schemas.microsoft.com/office/powerpoint/2010/main" val="1261470726"/>
+        <p14:creationId xmlns:p14="http://schemas.microsoft.com/office/powerpoint/2010/main" val="1751248952"/>
       </p:ext>
     </p:extLst>
   </p:cSld>
@@ -2797,8 +2987,8 @@
           <a:lstStyle/>
           <a:p>
             <a:r>
-              <a:rPr lang="en-US" dirty="0" err="1" smtClean="0"/>
-              <a:t>ngSwitch</a:t>
+              <a:rPr lang="en-US" dirty="0" smtClean="0"/>
+              <a:t>Validation and CSS</a:t>
             </a:r>
             <a:endParaRPr lang="en-US" dirty="0"/>
           </a:p>
@@ -2819,14 +3009,128 @@
           <a:bodyPr/>
           <a:lstStyle/>
           <a:p>
-            <a:endParaRPr lang="en-US"/>
+            <a:r>
+              <a:rPr lang="en-US" dirty="0" err="1" smtClean="0"/>
+              <a:t>FormController</a:t>
+            </a:r>
+            <a:r>
+              <a:rPr lang="en-US" dirty="0" smtClean="0"/>
+              <a:t> adds and removes CSS</a:t>
+            </a:r>
+          </a:p>
+          <a:p>
+            <a:pPr lvl="1"/>
+            <a:r>
+              <a:rPr lang="en-US" dirty="0" err="1"/>
+              <a:t>n</a:t>
+            </a:r>
+            <a:r>
+              <a:rPr lang="en-US" dirty="0" err="1" smtClean="0"/>
+              <a:t>g</a:t>
+            </a:r>
+            <a:r>
+              <a:rPr lang="en-US" dirty="0" smtClean="0"/>
+              <a:t>-valid</a:t>
+            </a:r>
+          </a:p>
+          <a:p>
+            <a:pPr lvl="1"/>
+            <a:r>
+              <a:rPr lang="en-US" dirty="0" err="1"/>
+              <a:t>n</a:t>
+            </a:r>
+            <a:r>
+              <a:rPr lang="en-US" dirty="0" err="1" smtClean="0"/>
+              <a:t>g</a:t>
+            </a:r>
+            <a:r>
+              <a:rPr lang="en-US" dirty="0" smtClean="0"/>
+              <a:t>-invalid</a:t>
+            </a:r>
+          </a:p>
+          <a:p>
+            <a:pPr lvl="1"/>
+            <a:r>
+              <a:rPr lang="en-US" dirty="0" err="1"/>
+              <a:t>n</a:t>
+            </a:r>
+            <a:r>
+              <a:rPr lang="en-US" dirty="0" err="1" smtClean="0"/>
+              <a:t>g</a:t>
+            </a:r>
+            <a:r>
+              <a:rPr lang="en-US" dirty="0" smtClean="0"/>
+              <a:t>-pristine</a:t>
+            </a:r>
+          </a:p>
+          <a:p>
+            <a:pPr lvl="1"/>
+            <a:r>
+              <a:rPr lang="en-US" dirty="0" err="1"/>
+              <a:t>n</a:t>
+            </a:r>
+            <a:r>
+              <a:rPr lang="en-US" dirty="0" err="1" smtClean="0"/>
+              <a:t>g</a:t>
+            </a:r>
+            <a:r>
+              <a:rPr lang="en-US" dirty="0" smtClean="0"/>
+              <a:t>-dirty</a:t>
+            </a:r>
+            <a:endParaRPr lang="en-US" dirty="0"/>
           </a:p>
         </p:txBody>
       </p:sp>
+      <p:pic>
+        <p:nvPicPr>
+          <p:cNvPr id="4" name="Picture 3"/>
+          <p:cNvPicPr>
+            <a:picLocks noChangeAspect="1"/>
+          </p:cNvPicPr>
+          <p:nvPr/>
+        </p:nvPicPr>
+        <p:blipFill>
+          <a:blip r:embed="rId2">
+            <a:extLst>
+              <a:ext uri="{BEBA8EAE-BF5A-486C-A8C5-ECC9F3942E4B}">
+                <a14:imgProps xmlns:a14="http://schemas.microsoft.com/office/drawing/2010/main">
+                  <a14:imgLayer r:embed="rId3">
+                    <a14:imgEffect>
+                      <a14:colorTemperature colorTemp="11200"/>
+                    </a14:imgEffect>
+                  </a14:imgLayer>
+                </a14:imgProps>
+              </a:ext>
+            </a:extLst>
+          </a:blip>
+          <a:stretch>
+            <a:fillRect/>
+          </a:stretch>
+        </p:blipFill>
+        <p:spPr>
+          <a:xfrm>
+            <a:off x="2286000" y="3505200"/>
+            <a:ext cx="3429000" cy="1571625"/>
+          </a:xfrm>
+          <a:prstGeom prst="rect">
+            <a:avLst/>
+          </a:prstGeom>
+          <a:ln>
+            <a:noFill/>
+          </a:ln>
+          <a:effectLst>
+            <a:outerShdw blurRad="292100" dist="139700" dir="2700000" algn="tl" rotWithShape="0">
+              <a:srgbClr val="333333">
+                <a:alpha val="65000"/>
+              </a:srgbClr>
+            </a:outerShdw>
+          </a:effectLst>
+        </p:spPr>
+      </p:pic>
     </p:spTree>
     <p:extLst>
       <p:ext uri="{BB962C8B-B14F-4D97-AF65-F5344CB8AC3E}">
-        <p14:creationId xmlns:p14="http://schemas.microsoft.com/office/powerpoint/2010/main" val="3833897131"/>
+        <p14:creationId xmlns:p14="http://schemas.microsoft.com/office/powerpoint/2010/main" val="876451130"/>
       </p:ext>
     </p:extLst>
   </p:cSld>
@@ -2873,7 +3177,7 @@
           <a:p>
             <a:r>
               <a:rPr lang="en-US" dirty="0" smtClean="0"/>
-              <a:t>Some Notes For Internet Explorer</a:t>
+              <a:t>Validation</a:t>
             </a:r>
             <a:endParaRPr lang="en-US" dirty="0"/>
           </a:p>
@@ -2894,14 +3198,121 @@
           <a:bodyPr/>
           <a:lstStyle/>
           <a:p>
-            <a:endParaRPr lang="en-US"/>
+            <a:r>
+              <a:rPr lang="en-US" dirty="0" smtClean="0"/>
+              <a:t>Angular understand HTML5 validation attributes</a:t>
+            </a:r>
+          </a:p>
+          <a:p>
+            <a:pPr lvl="1"/>
+            <a:r>
+              <a:rPr lang="en-US" dirty="0"/>
+              <a:t>r</a:t>
+            </a:r>
+            <a:r>
+              <a:rPr lang="en-US" dirty="0" smtClean="0"/>
+              <a:t>equired</a:t>
+            </a:r>
+          </a:p>
+          <a:p>
+            <a:pPr lvl="1"/>
+            <a:r>
+              <a:rPr lang="en-US" dirty="0" smtClean="0"/>
+              <a:t>p</a:t>
+            </a:r>
+            <a:r>
+              <a:rPr lang="en-US" dirty="0" smtClean="0"/>
+              <a:t>attern</a:t>
+            </a:r>
+          </a:p>
+          <a:p>
+            <a:pPr lvl="1"/>
+            <a:r>
+              <a:rPr lang="en-US" dirty="0" smtClean="0"/>
+              <a:t>number</a:t>
+            </a:r>
+            <a:endParaRPr lang="en-US" dirty="0" smtClean="0"/>
+          </a:p>
+          <a:p>
+            <a:pPr lvl="1"/>
+            <a:r>
+              <a:rPr lang="en-US" dirty="0"/>
+              <a:t>e</a:t>
+            </a:r>
+            <a:r>
+              <a:rPr lang="en-US" dirty="0" smtClean="0"/>
+              <a:t>mail  / </a:t>
+            </a:r>
+            <a:r>
+              <a:rPr lang="en-US" dirty="0" err="1" smtClean="0"/>
+              <a:t>url</a:t>
+            </a:r>
+            <a:endParaRPr lang="en-US" dirty="0" smtClean="0"/>
+          </a:p>
+          <a:p>
+            <a:pPr lvl="1"/>
+            <a:r>
+              <a:rPr lang="en-US" dirty="0"/>
+              <a:t>m</a:t>
+            </a:r>
+            <a:r>
+              <a:rPr lang="en-US" dirty="0" smtClean="0"/>
+              <a:t>ax / min</a:t>
+            </a:r>
+            <a:endParaRPr lang="en-US" dirty="0"/>
           </a:p>
         </p:txBody>
       </p:sp>
+      <p:pic>
+        <p:nvPicPr>
+          <p:cNvPr id="4" name="Picture 3"/>
+          <p:cNvPicPr>
+            <a:picLocks noChangeAspect="1"/>
+          </p:cNvPicPr>
+          <p:nvPr/>
+        </p:nvPicPr>
+        <p:blipFill>
+          <a:blip r:embed="rId2">
+            <a:extLst>
+              <a:ext uri="{BEBA8EAE-BF5A-486C-A8C5-ECC9F3942E4B}">
+                <a14:imgProps xmlns:a14="http://schemas.microsoft.com/office/drawing/2010/main">
+                  <a14:imgLayer r:embed="rId3">
+                    <a14:imgEffect>
+                      <a14:colorTemperature colorTemp="11200"/>
+                    </a14:imgEffect>
+                  </a14:imgLayer>
+                </a14:imgProps>
+              </a:ext>
+            </a:extLst>
+          </a:blip>
+          <a:stretch>
+            <a:fillRect/>
+          </a:stretch>
+        </p:blipFill>
+        <p:spPr>
+          <a:xfrm>
+            <a:off x="962025" y="3886200"/>
+            <a:ext cx="7219950" cy="733425"/>
+          </a:xfrm>
+          <a:prstGeom prst="rect">
+            <a:avLst/>
+          </a:prstGeom>
+          <a:ln>
+            <a:noFill/>
+          </a:ln>
+          <a:effectLst>
+            <a:outerShdw blurRad="292100" dist="139700" dir="2700000" algn="tl" rotWithShape="0">
+              <a:srgbClr val="333333">
+                <a:alpha val="65000"/>
+              </a:srgbClr>
+            </a:outerShdw>
+          </a:effectLst>
+        </p:spPr>
+      </p:pic>
     </p:spTree>
     <p:extLst>
       <p:ext uri="{BB962C8B-B14F-4D97-AF65-F5344CB8AC3E}">
-        <p14:creationId xmlns:p14="http://schemas.microsoft.com/office/powerpoint/2010/main" val="2455380728"/>
+        <p14:creationId xmlns:p14="http://schemas.microsoft.com/office/powerpoint/2010/main" val="500779755"/>
       </p:ext>
     </p:extLst>
   </p:cSld>
@@ -2948,7 +3359,7 @@
           <a:p>
             <a:r>
               <a:rPr lang="en-US" dirty="0" smtClean="0"/>
-              <a:t>Summary</a:t>
+              <a:t>Filters</a:t>
             </a:r>
             <a:endParaRPr lang="en-US" dirty="0"/>
           </a:p>
@@ -2968,6 +3379,1066 @@
         <p:txBody>
           <a:bodyPr/>
           <a:lstStyle/>
+          <a:p>
+            <a:r>
+              <a:rPr lang="en-US" dirty="0" smtClean="0"/>
+              <a:t>Formatting and modifying model data</a:t>
+            </a:r>
+          </a:p>
+          <a:p>
+            <a:pPr lvl="1"/>
+            <a:r>
+              <a:rPr lang="en-US" dirty="0" smtClean="0"/>
+              <a:t>currency</a:t>
+            </a:r>
+          </a:p>
+          <a:p>
+            <a:pPr lvl="1"/>
+            <a:r>
+              <a:rPr lang="en-US" dirty="0" smtClean="0"/>
+              <a:t>date</a:t>
+            </a:r>
+          </a:p>
+          <a:p>
+            <a:pPr lvl="1"/>
+            <a:r>
+              <a:rPr lang="en-US" dirty="0" smtClean="0"/>
+              <a:t>filter</a:t>
+            </a:r>
+          </a:p>
+          <a:p>
+            <a:pPr lvl="1"/>
+            <a:r>
+              <a:rPr lang="en-US" dirty="0" err="1" smtClean="0"/>
+              <a:t>json</a:t>
+            </a:r>
+            <a:endParaRPr lang="en-US" dirty="0" smtClean="0"/>
+          </a:p>
+          <a:p>
+            <a:pPr lvl="1"/>
+            <a:r>
+              <a:rPr lang="en-US" dirty="0" err="1" smtClean="0"/>
+              <a:t>limitTo</a:t>
+            </a:r>
+            <a:endParaRPr lang="en-US" dirty="0" smtClean="0"/>
+          </a:p>
+          <a:p>
+            <a:pPr lvl="1"/>
+            <a:r>
+              <a:rPr lang="en-US" dirty="0"/>
+              <a:t>l</a:t>
+            </a:r>
+            <a:r>
+              <a:rPr lang="en-US" dirty="0" smtClean="0"/>
+              <a:t>owercase</a:t>
+            </a:r>
+          </a:p>
+          <a:p>
+            <a:pPr lvl="1"/>
+            <a:r>
+              <a:rPr lang="en-US" dirty="0"/>
+              <a:t>n</a:t>
+            </a:r>
+            <a:r>
+              <a:rPr lang="en-US" dirty="0" smtClean="0"/>
+              <a:t>umber</a:t>
+            </a:r>
+          </a:p>
+          <a:p>
+            <a:pPr lvl="1"/>
+            <a:r>
+              <a:rPr lang="en-US" dirty="0" err="1" smtClean="0"/>
+              <a:t>orderBy</a:t>
+            </a:r>
+            <a:endParaRPr lang="en-US" dirty="0" smtClean="0"/>
+          </a:p>
+          <a:p>
+            <a:pPr lvl="1"/>
+            <a:r>
+              <a:rPr lang="en-US" dirty="0" smtClean="0"/>
+              <a:t>uppercase</a:t>
+            </a:r>
+          </a:p>
+        </p:txBody>
+      </p:sp>
+      <p:pic>
+        <p:nvPicPr>
+          <p:cNvPr id="4" name="Picture 3"/>
+          <p:cNvPicPr>
+            <a:picLocks noChangeAspect="1"/>
+          </p:cNvPicPr>
+          <p:nvPr/>
+        </p:nvPicPr>
+        <p:blipFill>
+          <a:blip r:embed="rId2">
+            <a:extLst>
+              <a:ext uri="{BEBA8EAE-BF5A-486C-A8C5-ECC9F3942E4B}">
+                <a14:imgProps xmlns:a14="http://schemas.microsoft.com/office/drawing/2010/main">
+                  <a14:imgLayer r:embed="rId3">
+                    <a14:imgEffect>
+                      <a14:colorTemperature colorTemp="11200"/>
+                    </a14:imgEffect>
+                  </a14:imgLayer>
+                </a14:imgProps>
+              </a:ext>
+            </a:extLst>
+          </a:blip>
+          <a:stretch>
+            <a:fillRect/>
+          </a:stretch>
+        </p:blipFill>
+        <p:spPr>
+          <a:xfrm>
+            <a:off x="4038600" y="2590800"/>
+            <a:ext cx="2886075" cy="971550"/>
+          </a:xfrm>
+          <a:prstGeom prst="rect">
+            <a:avLst/>
+          </a:prstGeom>
+          <a:ln>
+            <a:noFill/>
+          </a:ln>
+          <a:effectLst>
+            <a:outerShdw blurRad="292100" dist="139700" dir="2700000" algn="tl" rotWithShape="0">
+              <a:srgbClr val="333333">
+                <a:alpha val="65000"/>
+              </a:srgbClr>
+            </a:outerShdw>
+          </a:effectLst>
+        </p:spPr>
+      </p:pic>
+    </p:spTree>
+    <p:extLst>
+      <p:ext uri="{BB962C8B-B14F-4D97-AF65-F5344CB8AC3E}">
+        <p14:creationId xmlns:p14="http://schemas.microsoft.com/office/powerpoint/2010/main" val="1456426265"/>
+      </p:ext>
+    </p:extLst>
+  </p:cSld>
+  <p:clrMapOvr>
+    <a:masterClrMapping/>
+  </p:clrMapOvr>
+  <p:transition>
+    <p:fade/>
+  </p:transition>
+</p:sld>
+</file>
+
+<file path=ppt/slides/slide16.xml><?xml version="1.0" encoding="utf-8"?>
+<p:sld xmlns:a="http://schemas.openxmlformats.org/drawingml/2006/main" xmlns:r="http://schemas.openxmlformats.org/officeDocument/2006/relationships" xmlns:p="http://schemas.openxmlformats.org/presentationml/2006/main">
+  <p:cSld>
+    <p:spTree>
+      <p:nvGrpSpPr>
+        <p:cNvPr id="1" name=""/>
+        <p:cNvGrpSpPr/>
+        <p:nvPr/>
+      </p:nvGrpSpPr>
+      <p:grpSpPr>
+        <a:xfrm>
+          <a:off x="0" y="0"/>
+          <a:ext cx="0" cy="0"/>
+          <a:chOff x="0" y="0"/>
+          <a:chExt cx="0" cy="0"/>
+        </a:xfrm>
+      </p:grpSpPr>
+      <p:sp>
+        <p:nvSpPr>
+          <p:cNvPr id="2" name="Title 1"/>
+          <p:cNvSpPr>
+            <a:spLocks noGrp="1"/>
+          </p:cNvSpPr>
+          <p:nvPr>
+            <p:ph type="title"/>
+          </p:nvPr>
+        </p:nvSpPr>
+        <p:spPr/>
+        <p:txBody>
+          <a:bodyPr/>
+          <a:lstStyle/>
+          <a:p>
+            <a:r>
+              <a:rPr lang="en-US" dirty="0" smtClean="0"/>
+              <a:t>Custom Filters</a:t>
+            </a:r>
+            <a:endParaRPr lang="en-US" dirty="0"/>
+          </a:p>
+        </p:txBody>
+      </p:sp>
+      <p:sp>
+        <p:nvSpPr>
+          <p:cNvPr id="3" name="Text Placeholder 2"/>
+          <p:cNvSpPr>
+            <a:spLocks noGrp="1"/>
+          </p:cNvSpPr>
+          <p:nvPr>
+            <p:ph type="body" idx="1"/>
+          </p:nvPr>
+        </p:nvSpPr>
+        <p:spPr/>
+        <p:txBody>
+          <a:bodyPr/>
+          <a:lstStyle/>
+          <a:p>
+            <a:r>
+              <a:rPr lang="en-US" dirty="0" smtClean="0"/>
+              <a:t>Take an input parameter, return an output value</a:t>
+            </a:r>
+            <a:endParaRPr lang="en-US" dirty="0"/>
+          </a:p>
+        </p:txBody>
+      </p:sp>
+      <p:pic>
+        <p:nvPicPr>
+          <p:cNvPr id="4" name="Picture 3"/>
+          <p:cNvPicPr>
+            <a:picLocks noChangeAspect="1"/>
+          </p:cNvPicPr>
+          <p:nvPr/>
+        </p:nvPicPr>
+        <p:blipFill>
+          <a:blip r:embed="rId2">
+            <a:extLst>
+              <a:ext uri="{BEBA8EAE-BF5A-486C-A8C5-ECC9F3942E4B}">
+                <a14:imgProps xmlns:a14="http://schemas.microsoft.com/office/drawing/2010/main">
+                  <a14:imgLayer r:embed="rId3">
+                    <a14:imgEffect>
+                      <a14:colorTemperature colorTemp="11200"/>
+                    </a14:imgEffect>
+                  </a14:imgLayer>
+                </a14:imgProps>
+              </a:ext>
+            </a:extLst>
+          </a:blip>
+          <a:stretch>
+            <a:fillRect/>
+          </a:stretch>
+        </p:blipFill>
+        <p:spPr>
+          <a:xfrm>
+            <a:off x="1676400" y="2819400"/>
+            <a:ext cx="5010150" cy="1438275"/>
+          </a:xfrm>
+          <a:prstGeom prst="rect">
+            <a:avLst/>
+          </a:prstGeom>
+          <a:ln>
+            <a:noFill/>
+          </a:ln>
+          <a:effectLst>
+            <a:outerShdw blurRad="292100" dist="139700" dir="2700000" algn="tl" rotWithShape="0">
+              <a:srgbClr val="333333">
+                <a:alpha val="65000"/>
+              </a:srgbClr>
+            </a:outerShdw>
+          </a:effectLst>
+        </p:spPr>
+      </p:pic>
+    </p:spTree>
+    <p:extLst>
+      <p:ext uri="{BB962C8B-B14F-4D97-AF65-F5344CB8AC3E}">
+        <p14:creationId xmlns:p14="http://schemas.microsoft.com/office/powerpoint/2010/main" val="3547705373"/>
+      </p:ext>
+    </p:extLst>
+  </p:cSld>
+  <p:clrMapOvr>
+    <a:masterClrMapping/>
+  </p:clrMapOvr>
+  <p:transition>
+    <p:fade/>
+  </p:transition>
+</p:sld>
+</file>
+
+<file path=ppt/slides/slide17.xml><?xml version="1.0" encoding="utf-8"?>
+<p:sld xmlns:a="http://schemas.openxmlformats.org/drawingml/2006/main" xmlns:r="http://schemas.openxmlformats.org/officeDocument/2006/relationships" xmlns:p="http://schemas.openxmlformats.org/presentationml/2006/main">
+  <p:cSld>
+    <p:spTree>
+      <p:nvGrpSpPr>
+        <p:cNvPr id="1" name=""/>
+        <p:cNvGrpSpPr/>
+        <p:nvPr/>
+      </p:nvGrpSpPr>
+      <p:grpSpPr>
+        <a:xfrm>
+          <a:off x="0" y="0"/>
+          <a:ext cx="0" cy="0"/>
+          <a:chOff x="0" y="0"/>
+          <a:chExt cx="0" cy="0"/>
+        </a:xfrm>
+      </p:grpSpPr>
+      <p:sp>
+        <p:nvSpPr>
+          <p:cNvPr id="2" name="Title 1"/>
+          <p:cNvSpPr>
+            <a:spLocks noGrp="1"/>
+          </p:cNvSpPr>
+          <p:nvPr>
+            <p:ph type="title"/>
+          </p:nvPr>
+        </p:nvSpPr>
+        <p:spPr/>
+        <p:txBody>
+          <a:bodyPr/>
+          <a:lstStyle/>
+          <a:p>
+            <a:r>
+              <a:rPr lang="en-US" dirty="0" smtClean="0"/>
+              <a:t>Templates and Views</a:t>
+            </a:r>
+            <a:endParaRPr lang="en-US" dirty="0"/>
+          </a:p>
+        </p:txBody>
+      </p:sp>
+      <p:sp>
+        <p:nvSpPr>
+          <p:cNvPr id="3" name="Text Placeholder 2"/>
+          <p:cNvSpPr>
+            <a:spLocks noGrp="1"/>
+          </p:cNvSpPr>
+          <p:nvPr>
+            <p:ph type="body" idx="1"/>
+          </p:nvPr>
+        </p:nvSpPr>
+        <p:spPr/>
+        <p:txBody>
+          <a:bodyPr/>
+          <a:lstStyle/>
+          <a:p>
+            <a:r>
+              <a:rPr lang="en-US" dirty="0" smtClean="0"/>
+              <a:t>Templates are declarative specifications for the UI</a:t>
+            </a:r>
+          </a:p>
+          <a:p>
+            <a:pPr lvl="1"/>
+            <a:r>
+              <a:rPr lang="en-US" dirty="0" smtClean="0"/>
+              <a:t>Directives</a:t>
+            </a:r>
+          </a:p>
+          <a:p>
+            <a:pPr lvl="1"/>
+            <a:r>
+              <a:rPr lang="en-US" dirty="0" smtClean="0"/>
+              <a:t>Markup</a:t>
+            </a:r>
+          </a:p>
+          <a:p>
+            <a:pPr lvl="1"/>
+            <a:r>
+              <a:rPr lang="en-US" dirty="0" smtClean="0"/>
+              <a:t>Filters</a:t>
+            </a:r>
+          </a:p>
+          <a:p>
+            <a:r>
+              <a:rPr lang="en-US" dirty="0" smtClean="0"/>
+              <a:t>Views are compiled templates</a:t>
+            </a:r>
+            <a:endParaRPr lang="en-US" dirty="0"/>
+          </a:p>
+        </p:txBody>
+      </p:sp>
+      <p:pic>
+        <p:nvPicPr>
+          <p:cNvPr id="4" name="Picture 3"/>
+          <p:cNvPicPr>
+            <a:picLocks noChangeAspect="1"/>
+          </p:cNvPicPr>
+          <p:nvPr/>
+        </p:nvPicPr>
+        <p:blipFill>
+          <a:blip r:embed="rId2">
+            <a:extLst>
+              <a:ext uri="{BEBA8EAE-BF5A-486C-A8C5-ECC9F3942E4B}">
+                <a14:imgProps xmlns:a14="http://schemas.microsoft.com/office/drawing/2010/main">
+                  <a14:imgLayer r:embed="rId3">
+                    <a14:imgEffect>
+                      <a14:colorTemperature colorTemp="11200"/>
+                    </a14:imgEffect>
+                  </a14:imgLayer>
+                </a14:imgProps>
+              </a:ext>
+            </a:extLst>
+          </a:blip>
+          <a:stretch>
+            <a:fillRect/>
+          </a:stretch>
+        </p:blipFill>
+        <p:spPr>
+          <a:xfrm>
+            <a:off x="2057400" y="3429000"/>
+            <a:ext cx="4410075" cy="2762250"/>
+          </a:xfrm>
+          <a:prstGeom prst="rect">
+            <a:avLst/>
+          </a:prstGeom>
+          <a:ln>
+            <a:noFill/>
+          </a:ln>
+          <a:effectLst>
+            <a:outerShdw blurRad="292100" dist="139700" dir="2700000" algn="tl" rotWithShape="0">
+              <a:srgbClr val="333333">
+                <a:alpha val="65000"/>
+              </a:srgbClr>
+            </a:outerShdw>
+          </a:effectLst>
+        </p:spPr>
+      </p:pic>
+    </p:spTree>
+    <p:extLst>
+      <p:ext uri="{BB962C8B-B14F-4D97-AF65-F5344CB8AC3E}">
+        <p14:creationId xmlns:p14="http://schemas.microsoft.com/office/powerpoint/2010/main" val="2504573794"/>
+      </p:ext>
+    </p:extLst>
+  </p:cSld>
+  <p:clrMapOvr>
+    <a:masterClrMapping/>
+  </p:clrMapOvr>
+  <p:transition>
+    <p:fade/>
+  </p:transition>
+</p:sld>
+</file>
+
+<file path=ppt/slides/slide18.xml><?xml version="1.0" encoding="utf-8"?>
+<p:sld xmlns:a="http://schemas.openxmlformats.org/drawingml/2006/main" xmlns:r="http://schemas.openxmlformats.org/officeDocument/2006/relationships" xmlns:p="http://schemas.openxmlformats.org/presentationml/2006/main">
+  <p:cSld>
+    <p:spTree>
+      <p:nvGrpSpPr>
+        <p:cNvPr id="1" name=""/>
+        <p:cNvGrpSpPr/>
+        <p:nvPr/>
+      </p:nvGrpSpPr>
+      <p:grpSpPr>
+        <a:xfrm>
+          <a:off x="0" y="0"/>
+          <a:ext cx="0" cy="0"/>
+          <a:chOff x="0" y="0"/>
+          <a:chExt cx="0" cy="0"/>
+        </a:xfrm>
+      </p:grpSpPr>
+      <p:sp>
+        <p:nvSpPr>
+          <p:cNvPr id="2" name="Title 1"/>
+          <p:cNvSpPr>
+            <a:spLocks noGrp="1"/>
+          </p:cNvSpPr>
+          <p:nvPr>
+            <p:ph type="title"/>
+          </p:nvPr>
+        </p:nvSpPr>
+        <p:spPr/>
+        <p:txBody>
+          <a:bodyPr/>
+          <a:lstStyle/>
+          <a:p>
+            <a:r>
+              <a:rPr lang="en-US" dirty="0" err="1" smtClean="0"/>
+              <a:t>ngInclude</a:t>
+            </a:r>
+            <a:endParaRPr lang="en-US" dirty="0"/>
+          </a:p>
+        </p:txBody>
+      </p:sp>
+      <p:sp>
+        <p:nvSpPr>
+          <p:cNvPr id="3" name="Text Placeholder 2"/>
+          <p:cNvSpPr>
+            <a:spLocks noGrp="1"/>
+          </p:cNvSpPr>
+          <p:nvPr>
+            <p:ph type="body" idx="1"/>
+          </p:nvPr>
+        </p:nvSpPr>
+        <p:spPr/>
+        <p:txBody>
+          <a:bodyPr/>
+          <a:lstStyle/>
+          <a:p>
+            <a:r>
+              <a:rPr lang="en-US" dirty="0" smtClean="0"/>
+              <a:t>Allows for partial views</a:t>
+            </a:r>
+          </a:p>
+          <a:p>
+            <a:pPr lvl="1"/>
+            <a:r>
+              <a:rPr lang="en-US" dirty="0" smtClean="0"/>
+              <a:t>Fetches and compiles an HTML fragment</a:t>
+            </a:r>
+            <a:endParaRPr lang="en-US" dirty="0"/>
+          </a:p>
+        </p:txBody>
+      </p:sp>
+      <p:pic>
+        <p:nvPicPr>
+          <p:cNvPr id="4" name="Picture 3"/>
+          <p:cNvPicPr>
+            <a:picLocks noChangeAspect="1"/>
+          </p:cNvPicPr>
+          <p:nvPr/>
+        </p:nvPicPr>
+        <p:blipFill>
+          <a:blip r:embed="rId2">
+            <a:extLst>
+              <a:ext uri="{BEBA8EAE-BF5A-486C-A8C5-ECC9F3942E4B}">
+                <a14:imgProps xmlns:a14="http://schemas.microsoft.com/office/drawing/2010/main">
+                  <a14:imgLayer r:embed="rId3">
+                    <a14:imgEffect>
+                      <a14:colorTemperature colorTemp="11200"/>
+                    </a14:imgEffect>
+                  </a14:imgLayer>
+                </a14:imgProps>
+              </a:ext>
+            </a:extLst>
+          </a:blip>
+          <a:stretch>
+            <a:fillRect/>
+          </a:stretch>
+        </p:blipFill>
+        <p:spPr>
+          <a:xfrm>
+            <a:off x="2195512" y="3090862"/>
+            <a:ext cx="4752975" cy="676275"/>
+          </a:xfrm>
+          <a:prstGeom prst="rect">
+            <a:avLst/>
+          </a:prstGeom>
+          <a:ln>
+            <a:noFill/>
+          </a:ln>
+          <a:effectLst>
+            <a:outerShdw blurRad="292100" dist="139700" dir="2700000" algn="tl" rotWithShape="0">
+              <a:srgbClr val="333333">
+                <a:alpha val="65000"/>
+              </a:srgbClr>
+            </a:outerShdw>
+          </a:effectLst>
+        </p:spPr>
+      </p:pic>
+    </p:spTree>
+    <p:extLst>
+      <p:ext uri="{BB962C8B-B14F-4D97-AF65-F5344CB8AC3E}">
+        <p14:creationId xmlns:p14="http://schemas.microsoft.com/office/powerpoint/2010/main" val="1261470726"/>
+      </p:ext>
+    </p:extLst>
+  </p:cSld>
+  <p:clrMapOvr>
+    <a:masterClrMapping/>
+  </p:clrMapOvr>
+  <p:transition>
+    <p:fade/>
+  </p:transition>
+</p:sld>
+</file>
+
+<file path=ppt/slides/slide19.xml><?xml version="1.0" encoding="utf-8"?>
+<p:sld xmlns:a="http://schemas.openxmlformats.org/drawingml/2006/main" xmlns:r="http://schemas.openxmlformats.org/officeDocument/2006/relationships" xmlns:p="http://schemas.openxmlformats.org/presentationml/2006/main">
+  <p:cSld>
+    <p:spTree>
+      <p:nvGrpSpPr>
+        <p:cNvPr id="1" name=""/>
+        <p:cNvGrpSpPr/>
+        <p:nvPr/>
+      </p:nvGrpSpPr>
+      <p:grpSpPr>
+        <a:xfrm>
+          <a:off x="0" y="0"/>
+          <a:ext cx="0" cy="0"/>
+          <a:chOff x="0" y="0"/>
+          <a:chExt cx="0" cy="0"/>
+        </a:xfrm>
+      </p:grpSpPr>
+      <p:sp>
+        <p:nvSpPr>
+          <p:cNvPr id="2" name="Title 1"/>
+          <p:cNvSpPr>
+            <a:spLocks noGrp="1"/>
+          </p:cNvSpPr>
+          <p:nvPr>
+            <p:ph type="title"/>
+          </p:nvPr>
+        </p:nvSpPr>
+        <p:spPr/>
+        <p:txBody>
+          <a:bodyPr/>
+          <a:lstStyle/>
+          <a:p>
+            <a:r>
+              <a:rPr lang="en-US" dirty="0" err="1" smtClean="0"/>
+              <a:t>ngSwitch</a:t>
+            </a:r>
+            <a:endParaRPr lang="en-US" dirty="0"/>
+          </a:p>
+        </p:txBody>
+      </p:sp>
+      <p:sp>
+        <p:nvSpPr>
+          <p:cNvPr id="3" name="Text Placeholder 2"/>
+          <p:cNvSpPr>
+            <a:spLocks noGrp="1"/>
+          </p:cNvSpPr>
+          <p:nvPr>
+            <p:ph type="body" idx="1"/>
+          </p:nvPr>
+        </p:nvSpPr>
+        <p:spPr/>
+        <p:txBody>
+          <a:bodyPr/>
+          <a:lstStyle/>
+          <a:p>
+            <a:r>
+              <a:rPr lang="en-US" dirty="0" smtClean="0"/>
+              <a:t>Swaps DOM structure based on an expression</a:t>
+            </a:r>
+            <a:endParaRPr lang="en-US" dirty="0"/>
+          </a:p>
+        </p:txBody>
+      </p:sp>
+      <p:pic>
+        <p:nvPicPr>
+          <p:cNvPr id="4" name="Picture 3"/>
+          <p:cNvPicPr>
+            <a:picLocks noChangeAspect="1"/>
+          </p:cNvPicPr>
+          <p:nvPr/>
+        </p:nvPicPr>
+        <p:blipFill>
+          <a:blip r:embed="rId2">
+            <a:extLst>
+              <a:ext uri="{BEBA8EAE-BF5A-486C-A8C5-ECC9F3942E4B}">
+                <a14:imgProps xmlns:a14="http://schemas.microsoft.com/office/drawing/2010/main">
+                  <a14:imgLayer r:embed="rId3">
+                    <a14:imgEffect>
+                      <a14:colorTemperature colorTemp="11200"/>
+                    </a14:imgEffect>
+                  </a14:imgLayer>
+                </a14:imgProps>
+              </a:ext>
+            </a:extLst>
+          </a:blip>
+          <a:stretch>
+            <a:fillRect/>
+          </a:stretch>
+        </p:blipFill>
+        <p:spPr>
+          <a:xfrm>
+            <a:off x="1524000" y="2819400"/>
+            <a:ext cx="5591175" cy="1400175"/>
+          </a:xfrm>
+          <a:prstGeom prst="rect">
+            <a:avLst/>
+          </a:prstGeom>
+          <a:ln>
+            <a:noFill/>
+          </a:ln>
+          <a:effectLst>
+            <a:outerShdw blurRad="292100" dist="139700" dir="2700000" algn="tl" rotWithShape="0">
+              <a:srgbClr val="333333">
+                <a:alpha val="65000"/>
+              </a:srgbClr>
+            </a:outerShdw>
+          </a:effectLst>
+        </p:spPr>
+      </p:pic>
+    </p:spTree>
+    <p:extLst>
+      <p:ext uri="{BB962C8B-B14F-4D97-AF65-F5344CB8AC3E}">
+        <p14:creationId xmlns:p14="http://schemas.microsoft.com/office/powerpoint/2010/main" val="3833897131"/>
+      </p:ext>
+    </p:extLst>
+  </p:cSld>
+  <p:clrMapOvr>
+    <a:masterClrMapping/>
+  </p:clrMapOvr>
+  <p:transition>
+    <p:fade/>
+  </p:transition>
+</p:sld>
+</file>
+
+<file path=ppt/slides/slide2.xml><?xml version="1.0" encoding="utf-8"?>
+<p:sld xmlns:a="http://schemas.openxmlformats.org/drawingml/2006/main" xmlns:r="http://schemas.openxmlformats.org/officeDocument/2006/relationships" xmlns:p="http://schemas.openxmlformats.org/presentationml/2006/main">
+  <p:cSld>
+    <p:spTree>
+      <p:nvGrpSpPr>
+        <p:cNvPr id="1" name=""/>
+        <p:cNvGrpSpPr/>
+        <p:nvPr/>
+      </p:nvGrpSpPr>
+      <p:grpSpPr>
+        <a:xfrm>
+          <a:off x="0" y="0"/>
+          <a:ext cx="0" cy="0"/>
+          <a:chOff x="0" y="0"/>
+          <a:chExt cx="0" cy="0"/>
+        </a:xfrm>
+      </p:grpSpPr>
+      <p:sp>
+        <p:nvSpPr>
+          <p:cNvPr id="2" name="Title 1"/>
+          <p:cNvSpPr>
+            <a:spLocks noGrp="1"/>
+          </p:cNvSpPr>
+          <p:nvPr>
+            <p:ph type="title"/>
+          </p:nvPr>
+        </p:nvSpPr>
+        <p:spPr/>
+        <p:txBody>
+          <a:bodyPr/>
+          <a:lstStyle/>
+          <a:p>
+            <a:r>
+              <a:rPr lang="en-US" dirty="0" smtClean="0"/>
+              <a:t>Scopes and Views</a:t>
+            </a:r>
+            <a:endParaRPr lang="en-US" dirty="0"/>
+          </a:p>
+        </p:txBody>
+      </p:sp>
+      <p:sp>
+        <p:nvSpPr>
+          <p:cNvPr id="3" name="Text Placeholder 2"/>
+          <p:cNvSpPr>
+            <a:spLocks noGrp="1"/>
+          </p:cNvSpPr>
+          <p:nvPr>
+            <p:ph type="body" idx="1"/>
+          </p:nvPr>
+        </p:nvSpPr>
+        <p:spPr/>
+        <p:txBody>
+          <a:bodyPr/>
+          <a:lstStyle/>
+          <a:p>
+            <a:r>
+              <a:rPr lang="en-US" dirty="0" smtClean="0"/>
+              <a:t>$scope provides data to a view</a:t>
+            </a:r>
+          </a:p>
+          <a:p>
+            <a:r>
+              <a:rPr lang="en-US" dirty="0" smtClean="0"/>
+              <a:t>$scope is an execution context</a:t>
+            </a:r>
+            <a:endParaRPr lang="en-US" dirty="0" smtClean="0"/>
+          </a:p>
+        </p:txBody>
+      </p:sp>
+      <p:pic>
+        <p:nvPicPr>
+          <p:cNvPr id="4" name="Picture 3"/>
+          <p:cNvPicPr>
+            <a:picLocks noChangeAspect="1"/>
+          </p:cNvPicPr>
+          <p:nvPr/>
+        </p:nvPicPr>
+        <p:blipFill>
+          <a:blip r:embed="rId2">
+            <a:extLst>
+              <a:ext uri="{BEBA8EAE-BF5A-486C-A8C5-ECC9F3942E4B}">
+                <a14:imgProps xmlns:a14="http://schemas.microsoft.com/office/drawing/2010/main">
+                  <a14:imgLayer r:embed="rId3">
+                    <a14:imgEffect>
+                      <a14:colorTemperature colorTemp="11200"/>
+                    </a14:imgEffect>
+                  </a14:imgLayer>
+                </a14:imgProps>
+              </a:ext>
+            </a:extLst>
+          </a:blip>
+          <a:stretch>
+            <a:fillRect/>
+          </a:stretch>
+        </p:blipFill>
+        <p:spPr>
+          <a:xfrm>
+            <a:off x="1676400" y="2771775"/>
+            <a:ext cx="5029200" cy="1847850"/>
+          </a:xfrm>
+          <a:prstGeom prst="rect">
+            <a:avLst/>
+          </a:prstGeom>
+          <a:ln>
+            <a:noFill/>
+          </a:ln>
+          <a:effectLst>
+            <a:outerShdw blurRad="292100" dist="139700" dir="2700000" algn="tl" rotWithShape="0">
+              <a:srgbClr val="333333">
+                <a:alpha val="65000"/>
+              </a:srgbClr>
+            </a:outerShdw>
+          </a:effectLst>
+        </p:spPr>
+      </p:pic>
+    </p:spTree>
+    <p:extLst>
+      <p:ext uri="{BB962C8B-B14F-4D97-AF65-F5344CB8AC3E}">
+        <p14:creationId xmlns:p14="http://schemas.microsoft.com/office/powerpoint/2010/main" val="2576759341"/>
+      </p:ext>
+    </p:extLst>
+  </p:cSld>
+  <p:clrMapOvr>
+    <a:masterClrMapping/>
+  </p:clrMapOvr>
+  <p:transition>
+    <p:fade/>
+  </p:transition>
+</p:sld>
+</file>
+
+<file path=ppt/slides/slide20.xml><?xml version="1.0" encoding="utf-8"?>
+<p:sld xmlns:a="http://schemas.openxmlformats.org/drawingml/2006/main" xmlns:r="http://schemas.openxmlformats.org/officeDocument/2006/relationships" xmlns:p="http://schemas.openxmlformats.org/presentationml/2006/main">
+  <p:cSld>
+    <p:spTree>
+      <p:nvGrpSpPr>
+        <p:cNvPr id="1" name=""/>
+        <p:cNvGrpSpPr/>
+        <p:nvPr/>
+      </p:nvGrpSpPr>
+      <p:grpSpPr>
+        <a:xfrm>
+          <a:off x="0" y="0"/>
+          <a:ext cx="0" cy="0"/>
+          <a:chOff x="0" y="0"/>
+          <a:chExt cx="0" cy="0"/>
+        </a:xfrm>
+      </p:grpSpPr>
+      <p:sp>
+        <p:nvSpPr>
+          <p:cNvPr id="2" name="Title 1"/>
+          <p:cNvSpPr>
+            <a:spLocks noGrp="1"/>
+          </p:cNvSpPr>
+          <p:nvPr>
+            <p:ph type="title"/>
+          </p:nvPr>
+        </p:nvSpPr>
+        <p:spPr/>
+        <p:txBody>
+          <a:bodyPr/>
+          <a:lstStyle/>
+          <a:p>
+            <a:r>
+              <a:rPr lang="en-US" dirty="0" smtClean="0"/>
+              <a:t>Some Notes For Internet Explorer</a:t>
+            </a:r>
+            <a:endParaRPr lang="en-US" dirty="0"/>
+          </a:p>
+        </p:txBody>
+      </p:sp>
+      <p:sp>
+        <p:nvSpPr>
+          <p:cNvPr id="3" name="Text Placeholder 2"/>
+          <p:cNvSpPr>
+            <a:spLocks noGrp="1"/>
+          </p:cNvSpPr>
+          <p:nvPr>
+            <p:ph type="body" idx="1"/>
+          </p:nvPr>
+        </p:nvSpPr>
+        <p:spPr/>
+        <p:txBody>
+          <a:bodyPr/>
+          <a:lstStyle/>
+          <a:p>
+            <a:r>
+              <a:rPr lang="en-US" dirty="0" smtClean="0"/>
+              <a:t>Angular currently supports IE8+</a:t>
+            </a:r>
+          </a:p>
+          <a:p>
+            <a:r>
+              <a:rPr lang="en-US" dirty="0" smtClean="0"/>
+              <a:t>For IE &lt; 8</a:t>
+            </a:r>
+          </a:p>
+          <a:p>
+            <a:pPr lvl="1"/>
+            <a:r>
+              <a:rPr lang="en-US" dirty="0" err="1" smtClean="0"/>
+              <a:t>Polyfill</a:t>
+            </a:r>
+            <a:r>
+              <a:rPr lang="en-US" dirty="0" smtClean="0"/>
+              <a:t> </a:t>
+            </a:r>
+            <a:r>
+              <a:rPr lang="en-US" dirty="0" err="1" smtClean="0"/>
+              <a:t>JSON.stringify</a:t>
+            </a:r>
+            <a:endParaRPr lang="en-US" dirty="0" smtClean="0"/>
+          </a:p>
+          <a:p>
+            <a:pPr lvl="1"/>
+            <a:r>
+              <a:rPr lang="en-US" dirty="0" smtClean="0"/>
+              <a:t>Beware of custom element tags</a:t>
+            </a:r>
+          </a:p>
+          <a:p>
+            <a:pPr lvl="1"/>
+            <a:r>
+              <a:rPr lang="en-US" dirty="0" smtClean="0"/>
+              <a:t>Beware of using “finally”</a:t>
+            </a:r>
+          </a:p>
+          <a:p>
+            <a:pPr lvl="1"/>
+            <a:endParaRPr lang="en-US" dirty="0"/>
+          </a:p>
+        </p:txBody>
+      </p:sp>
+      <p:pic>
+        <p:nvPicPr>
+          <p:cNvPr id="3074" name="Picture 2" descr="https://encrypted-tbn3.gstatic.com/images?q=tbn:ANd9GcSoQk7oDkbw4XO-iJYWPR3Yc8bJNU3vxHB2pXo4sq-FX1MEyuzP"/>
+          <p:cNvPicPr>
+            <a:picLocks noChangeAspect="1" noChangeArrowheads="1"/>
+          </p:cNvPicPr>
+          <p:nvPr/>
+        </p:nvPicPr>
+        <p:blipFill>
+          <a:blip r:embed="rId2">
+            <a:extLst>
+              <a:ext uri="{28A0092B-C50C-407E-A947-70E740481C1C}">
+                <a14:useLocalDpi xmlns:a14="http://schemas.microsoft.com/office/drawing/2010/main" val="0"/>
+              </a:ext>
+            </a:extLst>
+          </a:blip>
+          <a:srcRect/>
+          <a:stretch>
+            <a:fillRect/>
+          </a:stretch>
+        </p:blipFill>
+        <p:spPr bwMode="auto">
+          <a:xfrm>
+            <a:off x="1447800" y="3276600"/>
+            <a:ext cx="5562600" cy="3194738"/>
+          </a:xfrm>
+          <a:prstGeom prst="rect">
+            <a:avLst/>
+          </a:prstGeom>
+          <a:noFill/>
+          <a:extLst>
+            <a:ext uri="{909E8E84-426E-40DD-AFC4-6F175D3DCCD1}">
+              <a14:hiddenFill xmlns:a14="http://schemas.microsoft.com/office/drawing/2010/main">
+                <a:solidFill>
+                  <a:srgbClr val="FFFFFF"/>
+                </a:solidFill>
+              </a14:hiddenFill>
+            </a:ext>
+          </a:extLst>
+        </p:spPr>
+      </p:pic>
+    </p:spTree>
+    <p:extLst>
+      <p:ext uri="{BB962C8B-B14F-4D97-AF65-F5344CB8AC3E}">
+        <p14:creationId xmlns:p14="http://schemas.microsoft.com/office/powerpoint/2010/main" val="2455380728"/>
+      </p:ext>
+    </p:extLst>
+  </p:cSld>
+  <p:clrMapOvr>
+    <a:masterClrMapping/>
+  </p:clrMapOvr>
+  <p:transition>
+    <p:fade/>
+  </p:transition>
+</p:sld>
+</file>
+
+<file path=ppt/slides/slide21.xml><?xml version="1.0" encoding="utf-8"?>
+<p:sld xmlns:a="http://schemas.openxmlformats.org/drawingml/2006/main" xmlns:r="http://schemas.openxmlformats.org/officeDocument/2006/relationships" xmlns:p="http://schemas.openxmlformats.org/presentationml/2006/main">
+  <p:cSld>
+    <p:spTree>
+      <p:nvGrpSpPr>
+        <p:cNvPr id="1" name=""/>
+        <p:cNvGrpSpPr/>
+        <p:nvPr/>
+      </p:nvGrpSpPr>
+      <p:grpSpPr>
+        <a:xfrm>
+          <a:off x="0" y="0"/>
+          <a:ext cx="0" cy="0"/>
+          <a:chOff x="0" y="0"/>
+          <a:chExt cx="0" cy="0"/>
+        </a:xfrm>
+      </p:grpSpPr>
+      <p:sp>
+        <p:nvSpPr>
+          <p:cNvPr id="2" name="Title 1"/>
+          <p:cNvSpPr>
+            <a:spLocks noGrp="1"/>
+          </p:cNvSpPr>
+          <p:nvPr>
+            <p:ph type="title"/>
+          </p:nvPr>
+        </p:nvSpPr>
+        <p:spPr/>
+        <p:txBody>
+          <a:bodyPr/>
+          <a:lstStyle/>
+          <a:p>
+            <a:r>
+              <a:rPr lang="en-US" dirty="0" smtClean="0"/>
+              <a:t>Summary</a:t>
+            </a:r>
+            <a:endParaRPr lang="en-US" dirty="0"/>
+          </a:p>
+        </p:txBody>
+      </p:sp>
+      <p:sp>
+        <p:nvSpPr>
+          <p:cNvPr id="3" name="Text Placeholder 2"/>
+          <p:cNvSpPr>
+            <a:spLocks noGrp="1"/>
+          </p:cNvSpPr>
+          <p:nvPr>
+            <p:ph type="body" idx="1"/>
+          </p:nvPr>
+        </p:nvSpPr>
+        <p:spPr/>
+        <p:txBody>
+          <a:bodyPr/>
+          <a:lstStyle/>
+          <a:p>
+            <a:r>
+              <a:rPr lang="en-US" dirty="0" smtClean="0"/>
+              <a:t>Scopes and views work together</a:t>
+            </a:r>
+          </a:p>
+          <a:p>
+            <a:pPr lvl="1"/>
+            <a:r>
+              <a:rPr lang="en-US" dirty="0" smtClean="0"/>
+              <a:t>Scopes form a tree structure in memory</a:t>
+            </a:r>
+            <a:endParaRPr lang="en-US" dirty="0" smtClean="0"/>
+          </a:p>
+          <a:p>
+            <a:r>
+              <a:rPr lang="en-US" dirty="0" smtClean="0"/>
+              <a:t>Angular has a digest cycle</a:t>
+            </a:r>
+          </a:p>
+          <a:p>
+            <a:r>
+              <a:rPr lang="en-US" dirty="0" err="1" smtClean="0"/>
+              <a:t>FormController</a:t>
+            </a:r>
+            <a:r>
+              <a:rPr lang="en-US" dirty="0" smtClean="0"/>
+              <a:t> helps </a:t>
+            </a:r>
+            <a:r>
+              <a:rPr lang="en-US" smtClean="0"/>
+              <a:t>with validation</a:t>
+            </a:r>
+            <a:endParaRPr lang="en-US" dirty="0" smtClean="0"/>
+          </a:p>
+          <a:p>
+            <a:endParaRPr lang="en-US" dirty="0" smtClean="0"/>
+          </a:p>
           <a:p>
             <a:endParaRPr lang="en-US" dirty="0"/>
           </a:p>
@@ -3030,81 +4501,6 @@
 </p:sld>
 </file>
 
-<file path=ppt/slides/slide2.xml><?xml version="1.0" encoding="utf-8"?>
-<p:sld xmlns:a="http://schemas.openxmlformats.org/drawingml/2006/main" xmlns:r="http://schemas.openxmlformats.org/officeDocument/2006/relationships" xmlns:p="http://schemas.openxmlformats.org/presentationml/2006/main">
-  <p:cSld>
-    <p:spTree>
-      <p:nvGrpSpPr>
-        <p:cNvPr id="1" name=""/>
-        <p:cNvGrpSpPr/>
-        <p:nvPr/>
-      </p:nvGrpSpPr>
-      <p:grpSpPr>
-        <a:xfrm>
-          <a:off x="0" y="0"/>
-          <a:ext cx="0" cy="0"/>
-          <a:chOff x="0" y="0"/>
-          <a:chExt cx="0" cy="0"/>
-        </a:xfrm>
-      </p:grpSpPr>
-      <p:sp>
-        <p:nvSpPr>
-          <p:cNvPr id="2" name="Title 1"/>
-          <p:cNvSpPr>
-            <a:spLocks noGrp="1"/>
-          </p:cNvSpPr>
-          <p:nvPr>
-            <p:ph type="title"/>
-          </p:nvPr>
-        </p:nvSpPr>
-        <p:spPr/>
-        <p:txBody>
-          <a:bodyPr/>
-          <a:lstStyle/>
-          <a:p>
-            <a:r>
-              <a:rPr lang="en-US" dirty="0" smtClean="0"/>
-              <a:t>Scopes and Views</a:t>
-            </a:r>
-            <a:endParaRPr lang="en-US" dirty="0"/>
-          </a:p>
-        </p:txBody>
-      </p:sp>
-      <p:sp>
-        <p:nvSpPr>
-          <p:cNvPr id="3" name="Text Placeholder 2"/>
-          <p:cNvSpPr>
-            <a:spLocks noGrp="1"/>
-          </p:cNvSpPr>
-          <p:nvPr>
-            <p:ph type="body" idx="1"/>
-          </p:nvPr>
-        </p:nvSpPr>
-        <p:spPr/>
-        <p:txBody>
-          <a:bodyPr/>
-          <a:lstStyle/>
-          <a:p>
-            <a:endParaRPr lang="en-US"/>
-          </a:p>
-        </p:txBody>
-      </p:sp>
-    </p:spTree>
-    <p:extLst>
-      <p:ext uri="{BB962C8B-B14F-4D97-AF65-F5344CB8AC3E}">
-        <p14:creationId xmlns:p14="http://schemas.microsoft.com/office/powerpoint/2010/main" val="2576759341"/>
-      </p:ext>
-    </p:extLst>
-  </p:cSld>
-  <p:clrMapOvr>
-    <a:masterClrMapping/>
-  </p:clrMapOvr>
-  <p:transition>
-    <p:fade/>
-  </p:transition>
-</p:sld>
-</file>
-
 <file path=ppt/slides/slide3.xml><?xml version="1.0" encoding="utf-8"?>
 <p:sld xmlns:a="http://schemas.openxmlformats.org/drawingml/2006/main" xmlns:r="http://schemas.openxmlformats.org/officeDocument/2006/relationships" xmlns:p="http://schemas.openxmlformats.org/presentationml/2006/main">
   <p:cSld>
@@ -3139,7 +4535,7 @@
           <a:p>
             <a:r>
               <a:rPr lang="en-US" dirty="0" smtClean="0"/>
-              <a:t>Scope Inheritance</a:t>
+              <a:t>Binding Expressions</a:t>
             </a:r>
             <a:endParaRPr lang="en-US" dirty="0"/>
           </a:p>
@@ -3160,14 +4556,122 @@
           <a:bodyPr/>
           <a:lstStyle/>
           <a:p>
-            <a:endParaRPr lang="en-US"/>
+            <a:r>
+              <a:rPr lang="en-US" dirty="0" smtClean="0"/>
+              <a:t>Evaluated against $scope</a:t>
+            </a:r>
+          </a:p>
+          <a:p>
+            <a:r>
+              <a:rPr lang="en-US" dirty="0" smtClean="0"/>
+              <a:t>Forgiving</a:t>
+            </a:r>
+          </a:p>
+          <a:p>
+            <a:r>
+              <a:rPr lang="en-US" dirty="0" smtClean="0"/>
+              <a:t>No control flow</a:t>
+            </a:r>
+            <a:endParaRPr lang="en-US" dirty="0"/>
           </a:p>
         </p:txBody>
       </p:sp>
+      <p:pic>
+        <p:nvPicPr>
+          <p:cNvPr id="5" name="Picture 4"/>
+          <p:cNvPicPr>
+            <a:picLocks noChangeAspect="1"/>
+          </p:cNvPicPr>
+          <p:nvPr/>
+        </p:nvPicPr>
+        <p:blipFill>
+          <a:blip r:embed="rId2">
+            <a:extLst>
+              <a:ext uri="{BEBA8EAE-BF5A-486C-A8C5-ECC9F3942E4B}">
+                <a14:imgProps xmlns:a14="http://schemas.microsoft.com/office/drawing/2010/main">
+                  <a14:imgLayer r:embed="rId3">
+                    <a14:imgEffect>
+                      <a14:colorTemperature colorTemp="11200"/>
+                    </a14:imgEffect>
+                  </a14:imgLayer>
+                </a14:imgProps>
+              </a:ext>
+            </a:extLst>
+          </a:blip>
+          <a:stretch>
+            <a:fillRect/>
+          </a:stretch>
+        </p:blipFill>
+        <p:spPr>
+          <a:xfrm>
+            <a:off x="2728912" y="4119716"/>
+            <a:ext cx="4600575" cy="771525"/>
+          </a:xfrm>
+          <a:prstGeom prst="rect">
+            <a:avLst/>
+          </a:prstGeom>
+          <a:ln>
+            <a:noFill/>
+          </a:ln>
+          <a:effectLst>
+            <a:outerShdw blurRad="292100" dist="139700" dir="2700000" algn="tl" rotWithShape="0">
+              <a:srgbClr val="333333">
+                <a:alpha val="65000"/>
+              </a:srgbClr>
+            </a:outerShdw>
+          </a:effectLst>
+        </p:spPr>
+      </p:pic>
+      <p:pic>
+        <p:nvPicPr>
+          <p:cNvPr id="6" name="Picture 5"/>
+          <p:cNvPicPr>
+            <a:picLocks noChangeAspect="1"/>
+          </p:cNvPicPr>
+          <p:nvPr/>
+        </p:nvPicPr>
+        <p:blipFill>
+          <a:blip r:embed="rId4">
+            <a:extLst>
+              <a:ext uri="{BEBA8EAE-BF5A-486C-A8C5-ECC9F3942E4B}">
+                <a14:imgProps xmlns:a14="http://schemas.microsoft.com/office/drawing/2010/main">
+                  <a14:imgLayer r:embed="rId5">
+                    <a14:imgEffect>
+                      <a14:colorTemperature colorTemp="4700"/>
+                    </a14:imgEffect>
+                  </a14:imgLayer>
+                </a14:imgProps>
+              </a:ext>
+            </a:extLst>
+          </a:blip>
+          <a:stretch>
+            <a:fillRect/>
+          </a:stretch>
+        </p:blipFill>
+        <p:spPr>
+          <a:xfrm>
+            <a:off x="1676400" y="2971800"/>
+            <a:ext cx="3200400" cy="561975"/>
+          </a:xfrm>
+          <a:prstGeom prst="rect">
+            <a:avLst/>
+          </a:prstGeom>
+          <a:ln>
+            <a:noFill/>
+          </a:ln>
+          <a:effectLst>
+            <a:outerShdw blurRad="292100" dist="139700" dir="2700000" algn="tl" rotWithShape="0">
+              <a:srgbClr val="333333">
+                <a:alpha val="65000"/>
+              </a:srgbClr>
+            </a:outerShdw>
+          </a:effectLst>
+        </p:spPr>
+      </p:pic>
     </p:spTree>
     <p:extLst>
       <p:ext uri="{BB962C8B-B14F-4D97-AF65-F5344CB8AC3E}">
-        <p14:creationId xmlns:p14="http://schemas.microsoft.com/office/powerpoint/2010/main" val="655075121"/>
+        <p14:creationId xmlns:p14="http://schemas.microsoft.com/office/powerpoint/2010/main" val="2742684883"/>
       </p:ext>
     </p:extLst>
   </p:cSld>
@@ -3177,6 +4681,13 @@
   <p:transition>
     <p:fade/>
   </p:transition>
+  <p:timing>
+    <p:tnLst>
+      <p:par>
+        <p:cTn id="1" dur="indefinite" restart="never" nodeType="tmRoot"/>
+      </p:par>
+    </p:tnLst>
+  </p:timing>
 </p:sld>
 </file>
 
@@ -3214,7 +4725,7 @@
           <a:p>
             <a:r>
               <a:rPr lang="en-US" dirty="0" smtClean="0"/>
-              <a:t>Scope Communication</a:t>
+              <a:t>Scope Inheritance</a:t>
             </a:r>
             <a:endParaRPr lang="en-US" dirty="0"/>
           </a:p>
@@ -3237,16 +4748,72 @@
           <a:p>
             <a:r>
               <a:rPr lang="en-US" dirty="0" smtClean="0"/>
-              <a:t>Emit and broadcast</a:t>
+              <a:t>Scope objects use prototypal inheritance</a:t>
+            </a:r>
+          </a:p>
+          <a:p>
+            <a:pPr lvl="1"/>
+            <a:r>
+              <a:rPr lang="en-US" dirty="0" smtClean="0"/>
+              <a:t>$</a:t>
+            </a:r>
+            <a:r>
+              <a:rPr lang="en-US" dirty="0" err="1" smtClean="0"/>
+              <a:t>rootScope</a:t>
+            </a:r>
+            <a:r>
+              <a:rPr lang="en-US" dirty="0" smtClean="0"/>
+              <a:t> is the top object</a:t>
             </a:r>
             <a:endParaRPr lang="en-US" dirty="0"/>
           </a:p>
         </p:txBody>
       </p:sp>
+      <p:pic>
+        <p:nvPicPr>
+          <p:cNvPr id="1026" name="Picture 2" descr="http://docs.angularjs.org/img/guide/concepts-scope.png"/>
+          <p:cNvPicPr>
+            <a:picLocks noChangeAspect="1" noChangeArrowheads="1"/>
+          </p:cNvPicPr>
+          <p:nvPr/>
+        </p:nvPicPr>
+        <p:blipFill>
+          <a:blip r:embed="rId2">
+            <a:extLst>
+              <a:ext uri="{28A0092B-C50C-407E-A947-70E740481C1C}">
+                <a14:useLocalDpi xmlns:a14="http://schemas.microsoft.com/office/drawing/2010/main" val="0"/>
+              </a:ext>
+            </a:extLst>
+          </a:blip>
+          <a:srcRect/>
+          <a:stretch>
+            <a:fillRect/>
+          </a:stretch>
+        </p:blipFill>
+        <p:spPr bwMode="auto">
+          <a:xfrm>
+            <a:off x="1466850" y="2466974"/>
+            <a:ext cx="6210300" cy="3476626"/>
+          </a:xfrm>
+          <a:prstGeom prst="rect">
+            <a:avLst/>
+          </a:prstGeom>
+          <a:noFill/>
+          <a:extLst>
+            <a:ext uri="{909E8E84-426E-40DD-AFC4-6F175D3DCCD1}">
+              <a14:hiddenFill xmlns:a14="http://schemas.microsoft.com/office/drawing/2010/main">
+                <a:solidFill>
+                  <a:srgbClr val="FFFFFF"/>
+                </a:solidFill>
+              </a14:hiddenFill>
+            </a:ext>
+          </a:extLst>
+        </p:spPr>
+      </p:pic>
     </p:spTree>
     <p:extLst>
       <p:ext uri="{BB962C8B-B14F-4D97-AF65-F5344CB8AC3E}">
-        <p14:creationId xmlns:p14="http://schemas.microsoft.com/office/powerpoint/2010/main" val="3508602958"/>
+        <p14:creationId xmlns:p14="http://schemas.microsoft.com/office/powerpoint/2010/main" val="655075121"/>
       </p:ext>
     </p:extLst>
   </p:cSld>
@@ -3256,6 +4823,13 @@
   <p:transition>
     <p:fade/>
   </p:transition>
+  <p:timing>
+    <p:tnLst>
+      <p:par>
+        <p:cTn id="1" dur="indefinite" restart="never" nodeType="tmRoot"/>
+      </p:par>
+    </p:tnLst>
+  </p:timing>
 </p:sld>
 </file>
 
@@ -3293,7 +4867,7 @@
           <a:p>
             <a:r>
               <a:rPr lang="en-US" dirty="0" smtClean="0"/>
-              <a:t>The Digest Cycle</a:t>
+              <a:t>$scope and the DOM</a:t>
             </a:r>
             <a:endParaRPr lang="en-US" dirty="0"/>
           </a:p>
@@ -3314,14 +4888,51 @@
           <a:bodyPr/>
           <a:lstStyle/>
           <a:p>
-            <a:endParaRPr lang="en-US"/>
+            <a:r>
+              <a:rPr lang="en-US" dirty="0" smtClean="0"/>
+              <a:t>$scope mimics the DOM</a:t>
+            </a:r>
+          </a:p>
+          <a:p>
+            <a:pPr lvl="1"/>
+            <a:r>
+              <a:rPr lang="en-US" dirty="0" smtClean="0"/>
+              <a:t>Attached to elements in the tree</a:t>
+            </a:r>
+          </a:p>
+          <a:p>
+            <a:endParaRPr lang="en-US" dirty="0"/>
           </a:p>
         </p:txBody>
       </p:sp>
+      <p:pic>
+        <p:nvPicPr>
+          <p:cNvPr id="4" name="Picture 3"/>
+          <p:cNvPicPr>
+            <a:picLocks noChangeAspect="1"/>
+          </p:cNvPicPr>
+          <p:nvPr/>
+        </p:nvPicPr>
+        <p:blipFill>
+          <a:blip r:embed="rId2"/>
+          <a:stretch>
+            <a:fillRect/>
+          </a:stretch>
+        </p:blipFill>
+        <p:spPr>
+          <a:xfrm>
+            <a:off x="1066800" y="3200400"/>
+            <a:ext cx="6486525" cy="2009775"/>
+          </a:xfrm>
+          <a:prstGeom prst="rect">
+            <a:avLst/>
+          </a:prstGeom>
+        </p:spPr>
+      </p:pic>
     </p:spTree>
     <p:extLst>
       <p:ext uri="{BB962C8B-B14F-4D97-AF65-F5344CB8AC3E}">
-        <p14:creationId xmlns:p14="http://schemas.microsoft.com/office/powerpoint/2010/main" val="641245081"/>
+        <p14:creationId xmlns:p14="http://schemas.microsoft.com/office/powerpoint/2010/main" val="4279588884"/>
       </p:ext>
     </p:extLst>
   </p:cSld>
@@ -3331,6 +4942,13 @@
   <p:transition>
     <p:fade/>
   </p:transition>
+  <p:timing>
+    <p:tnLst>
+      <p:par>
+        <p:cTn id="1" dur="indefinite" restart="never" nodeType="tmRoot"/>
+      </p:par>
+    </p:tnLst>
+  </p:timing>
 </p:sld>
 </file>
 
@@ -3368,7 +4986,7 @@
           <a:p>
             <a:r>
               <a:rPr lang="en-US" dirty="0" smtClean="0"/>
-              <a:t>Scope Watchers</a:t>
+              <a:t>Inheritance Implications</a:t>
             </a:r>
             <a:endParaRPr lang="en-US" dirty="0"/>
           </a:p>
@@ -3389,14 +5007,136 @@
           <a:bodyPr/>
           <a:lstStyle/>
           <a:p>
-            <a:endParaRPr lang="en-US"/>
+            <a:r>
+              <a:rPr lang="en-US" dirty="0" smtClean="0"/>
+              <a:t>Child $scope can read parent properties</a:t>
+            </a:r>
+          </a:p>
+          <a:p>
+            <a:pPr lvl="1"/>
+            <a:r>
+              <a:rPr lang="en-US" dirty="0" smtClean="0"/>
+              <a:t>Can override parent properties, too</a:t>
+            </a:r>
+          </a:p>
+          <a:p>
+            <a:r>
+              <a:rPr lang="en-US" dirty="0" smtClean="0"/>
+              <a:t>Makes sharing easy</a:t>
+            </a:r>
+          </a:p>
+          <a:p>
+            <a:pPr lvl="1"/>
+            <a:r>
+              <a:rPr lang="en-US" dirty="0" smtClean="0"/>
+              <a:t>Beware of unwanted side effects</a:t>
+            </a:r>
+            <a:endParaRPr lang="en-US" dirty="0"/>
+          </a:p>
+        </p:txBody>
+      </p:sp>
+      <p:pic>
+        <p:nvPicPr>
+          <p:cNvPr id="4" name="Picture 3"/>
+          <p:cNvPicPr>
+            <a:picLocks noChangeAspect="1"/>
+          </p:cNvPicPr>
+          <p:nvPr/>
+        </p:nvPicPr>
+        <p:blipFill>
+          <a:blip r:embed="rId2">
+            <a:extLst>
+              <a:ext uri="{BEBA8EAE-BF5A-486C-A8C5-ECC9F3942E4B}">
+                <a14:imgProps xmlns:a14="http://schemas.microsoft.com/office/drawing/2010/main">
+                  <a14:imgLayer r:embed="rId3">
+                    <a14:imgEffect>
+                      <a14:colorTemperature colorTemp="11200"/>
+                    </a14:imgEffect>
+                  </a14:imgLayer>
+                </a14:imgProps>
+              </a:ext>
+            </a:extLst>
+          </a:blip>
+          <a:stretch>
+            <a:fillRect/>
+          </a:stretch>
+        </p:blipFill>
+        <p:spPr>
+          <a:xfrm>
+            <a:off x="685800" y="3063363"/>
+            <a:ext cx="6819900" cy="3295650"/>
+          </a:xfrm>
+          <a:prstGeom prst="rect">
+            <a:avLst/>
+          </a:prstGeom>
+          <a:ln>
+            <a:noFill/>
+          </a:ln>
+          <a:effectLst>
+            <a:outerShdw blurRad="292100" dist="139700" dir="2700000" algn="tl" rotWithShape="0">
+              <a:srgbClr val="333333">
+                <a:alpha val="65000"/>
+              </a:srgbClr>
+            </a:outerShdw>
+          </a:effectLst>
+        </p:spPr>
+      </p:pic>
+      <p:sp>
+        <p:nvSpPr>
+          <p:cNvPr id="5" name="Right Arrow 4"/>
+          <p:cNvSpPr/>
+          <p:nvPr/>
+        </p:nvSpPr>
+        <p:spPr bwMode="auto">
+          <a:xfrm>
+            <a:off x="533400" y="4572000"/>
+            <a:ext cx="533400" cy="304800"/>
+          </a:xfrm>
+          <a:prstGeom prst="rightArrow">
+            <a:avLst/>
+          </a:prstGeom>
+          <a:gradFill rotWithShape="1">
+            <a:gsLst>
+              <a:gs pos="0">
+                <a:srgbClr val="A4D289"/>
+              </a:gs>
+              <a:gs pos="100000">
+                <a:schemeClr val="bg1"/>
+              </a:gs>
+            </a:gsLst>
+            <a:lin ang="5400000" scaled="1"/>
+          </a:gradFill>
+          <a:ln w="9525" algn="ctr">
+            <a:solidFill>
+              <a:schemeClr val="tx1"/>
+            </a:solidFill>
+            <a:miter lim="800000"/>
+            <a:headEnd/>
+            <a:tailEnd/>
+          </a:ln>
+          <a:effectLst>
+            <a:outerShdw blurRad="50800" dist="38100" dir="2700000" algn="tl" rotWithShape="0">
+              <a:prstClr val="black">
+                <a:alpha val="40000"/>
+              </a:prstClr>
+            </a:outerShdw>
+          </a:effectLst>
+        </p:spPr>
+        <p:txBody>
+          <a:bodyPr wrap="none" rtlCol="0" anchor="ctr"/>
+          <a:lstStyle/>
+          <a:p>
+            <a:pPr algn="ctr"/>
+            <a:endParaRPr lang="en-US" sz="2000" dirty="0">
+              <a:latin typeface="Tekton Pro" pitchFamily="34" charset="0"/>
+            </a:endParaRPr>
           </a:p>
         </p:txBody>
       </p:sp>
     </p:spTree>
     <p:extLst>
       <p:ext uri="{BB962C8B-B14F-4D97-AF65-F5344CB8AC3E}">
-        <p14:creationId xmlns:p14="http://schemas.microsoft.com/office/powerpoint/2010/main" val="1289655384"/>
+        <p14:creationId xmlns:p14="http://schemas.microsoft.com/office/powerpoint/2010/main" val="353658599"/>
       </p:ext>
     </p:extLst>
   </p:cSld>
@@ -3442,8 +5182,8 @@
           <a:lstStyle/>
           <a:p>
             <a:r>
-              <a:rPr lang="en-US" dirty="0" smtClean="0"/>
-              <a:t>Promises and Data Binding</a:t>
+              <a:rPr lang="en-US" dirty="0" err="1" smtClean="0"/>
+              <a:t>ngInit</a:t>
             </a:r>
             <a:endParaRPr lang="en-US" dirty="0"/>
           </a:p>
@@ -3464,14 +5204,64 @@
           <a:bodyPr/>
           <a:lstStyle/>
           <a:p>
-            <a:endParaRPr lang="en-US"/>
+            <a:r>
+              <a:rPr lang="en-US" dirty="0" smtClean="0"/>
+              <a:t>Evaluate an expression against the scope</a:t>
+            </a:r>
+            <a:endParaRPr lang="en-US" dirty="0"/>
           </a:p>
         </p:txBody>
       </p:sp>
+      <p:pic>
+        <p:nvPicPr>
+          <p:cNvPr id="4" name="Picture 3"/>
+          <p:cNvPicPr>
+            <a:picLocks noChangeAspect="1"/>
+          </p:cNvPicPr>
+          <p:nvPr/>
+        </p:nvPicPr>
+        <p:blipFill>
+          <a:blip r:embed="rId2">
+            <a:extLst>
+              <a:ext uri="{BEBA8EAE-BF5A-486C-A8C5-ECC9F3942E4B}">
+                <a14:imgProps xmlns:a14="http://schemas.microsoft.com/office/drawing/2010/main">
+                  <a14:imgLayer r:embed="rId3">
+                    <a14:imgEffect>
+                      <a14:colorTemperature colorTemp="11200"/>
+                    </a14:imgEffect>
+                  </a14:imgLayer>
+                </a14:imgProps>
+              </a:ext>
+            </a:extLst>
+          </a:blip>
+          <a:stretch>
+            <a:fillRect/>
+          </a:stretch>
+        </p:blipFill>
+        <p:spPr>
+          <a:xfrm>
+            <a:off x="1181100" y="2752725"/>
+            <a:ext cx="6781800" cy="1352550"/>
+          </a:xfrm>
+          <a:prstGeom prst="rect">
+            <a:avLst/>
+          </a:prstGeom>
+          <a:ln>
+            <a:noFill/>
+          </a:ln>
+          <a:effectLst>
+            <a:outerShdw blurRad="292100" dist="139700" dir="2700000" algn="tl" rotWithShape="0">
+              <a:srgbClr val="333333">
+                <a:alpha val="65000"/>
+              </a:srgbClr>
+            </a:outerShdw>
+          </a:effectLst>
+        </p:spPr>
+      </p:pic>
     </p:spTree>
     <p:extLst>
       <p:ext uri="{BB962C8B-B14F-4D97-AF65-F5344CB8AC3E}">
-        <p14:creationId xmlns:p14="http://schemas.microsoft.com/office/powerpoint/2010/main" val="604714450"/>
+        <p14:creationId xmlns:p14="http://schemas.microsoft.com/office/powerpoint/2010/main" val="1951788622"/>
       </p:ext>
     </p:extLst>
   </p:cSld>
@@ -3518,7 +5308,7 @@
           <a:p>
             <a:r>
               <a:rPr lang="en-US" dirty="0" smtClean="0"/>
-              <a:t>Validation</a:t>
+              <a:t>Scope Communication</a:t>
             </a:r>
             <a:endParaRPr lang="en-US" dirty="0"/>
           </a:p>
@@ -3539,14 +5329,64 @@
           <a:bodyPr/>
           <a:lstStyle/>
           <a:p>
-            <a:endParaRPr lang="en-US"/>
+            <a:r>
+              <a:rPr lang="en-US" dirty="0" smtClean="0"/>
+              <a:t>Emit and broadcast</a:t>
+            </a:r>
+            <a:endParaRPr lang="en-US" dirty="0"/>
           </a:p>
         </p:txBody>
       </p:sp>
+      <p:pic>
+        <p:nvPicPr>
+          <p:cNvPr id="4" name="Picture 3"/>
+          <p:cNvPicPr>
+            <a:picLocks noChangeAspect="1"/>
+          </p:cNvPicPr>
+          <p:nvPr/>
+        </p:nvPicPr>
+        <p:blipFill>
+          <a:blip r:embed="rId2">
+            <a:extLst>
+              <a:ext uri="{BEBA8EAE-BF5A-486C-A8C5-ECC9F3942E4B}">
+                <a14:imgProps xmlns:a14="http://schemas.microsoft.com/office/drawing/2010/main">
+                  <a14:imgLayer r:embed="rId3">
+                    <a14:imgEffect>
+                      <a14:colorTemperature colorTemp="11200"/>
+                    </a14:imgEffect>
+                  </a14:imgLayer>
+                </a14:imgProps>
+              </a:ext>
+            </a:extLst>
+          </a:blip>
+          <a:stretch>
+            <a:fillRect/>
+          </a:stretch>
+        </p:blipFill>
+        <p:spPr>
+          <a:xfrm>
+            <a:off x="1762125" y="2362200"/>
+            <a:ext cx="5619750" cy="2152650"/>
+          </a:xfrm>
+          <a:prstGeom prst="rect">
+            <a:avLst/>
+          </a:prstGeom>
+          <a:ln>
+            <a:noFill/>
+          </a:ln>
+          <a:effectLst>
+            <a:outerShdw blurRad="292100" dist="139700" dir="2700000" algn="tl" rotWithShape="0">
+              <a:srgbClr val="333333">
+                <a:alpha val="65000"/>
+              </a:srgbClr>
+            </a:outerShdw>
+          </a:effectLst>
+        </p:spPr>
+      </p:pic>
     </p:spTree>
     <p:extLst>
       <p:ext uri="{BB962C8B-B14F-4D97-AF65-F5344CB8AC3E}">
-        <p14:creationId xmlns:p14="http://schemas.microsoft.com/office/powerpoint/2010/main" val="500779755"/>
+        <p14:creationId xmlns:p14="http://schemas.microsoft.com/office/powerpoint/2010/main" val="3508602958"/>
       </p:ext>
     </p:extLst>
   </p:cSld>
@@ -3593,7 +5433,7 @@
           <a:p>
             <a:r>
               <a:rPr lang="en-US" dirty="0" smtClean="0"/>
-              <a:t>Validation and CSS</a:t>
+              <a:t>Apply and Digest</a:t>
             </a:r>
             <a:endParaRPr lang="en-US" dirty="0"/>
           </a:p>
@@ -3614,14 +5454,135 @@
           <a:bodyPr/>
           <a:lstStyle/>
           <a:p>
-            <a:endParaRPr lang="en-US"/>
+            <a:r>
+              <a:rPr lang="en-US" dirty="0" smtClean="0"/>
+              <a:t>Models are plain objects</a:t>
+            </a:r>
+          </a:p>
+          <a:p>
+            <a:r>
+              <a:rPr lang="en-US" dirty="0" smtClean="0"/>
+              <a:t>Changes detected using snapshot change detection</a:t>
+            </a:r>
+          </a:p>
+          <a:p>
+            <a:r>
+              <a:rPr lang="en-US" dirty="0"/>
+              <a:t>Model mutation not seen </a:t>
+            </a:r>
+            <a:r>
+              <a:rPr lang="en-US" dirty="0" smtClean="0"/>
+              <a:t>until </a:t>
+            </a:r>
+            <a:r>
+              <a:rPr lang="en-US" dirty="0"/>
+              <a:t>$</a:t>
+            </a:r>
+            <a:r>
+              <a:rPr lang="en-US" dirty="0" smtClean="0"/>
+              <a:t>apply called</a:t>
+            </a:r>
+            <a:endParaRPr lang="en-US" dirty="0"/>
+          </a:p>
+          <a:p>
+            <a:endParaRPr lang="en-US" dirty="0" smtClean="0"/>
+          </a:p>
+          <a:p>
+            <a:endParaRPr lang="en-US" dirty="0"/>
           </a:p>
         </p:txBody>
       </p:sp>
+      <p:pic>
+        <p:nvPicPr>
+          <p:cNvPr id="2050" name="Picture 2" descr="http://docs.angularjs.org/img/guide/concepts-runtime.png"/>
+          <p:cNvPicPr>
+            <a:picLocks noChangeAspect="1" noChangeArrowheads="1"/>
+          </p:cNvPicPr>
+          <p:nvPr/>
+        </p:nvPicPr>
+        <p:blipFill>
+          <a:blip r:embed="rId2">
+            <a:extLst>
+              <a:ext uri="{28A0092B-C50C-407E-A947-70E740481C1C}">
+                <a14:useLocalDpi xmlns:a14="http://schemas.microsoft.com/office/drawing/2010/main" val="0"/>
+              </a:ext>
+            </a:extLst>
+          </a:blip>
+          <a:srcRect/>
+          <a:stretch>
+            <a:fillRect/>
+          </a:stretch>
+        </p:blipFill>
+        <p:spPr bwMode="auto">
+          <a:xfrm>
+            <a:off x="5410200" y="2667000"/>
+            <a:ext cx="3467100" cy="2657476"/>
+          </a:xfrm>
+          <a:prstGeom prst="rect">
+            <a:avLst/>
+          </a:prstGeom>
+          <a:noFill/>
+          <a:extLst>
+            <a:ext uri="{909E8E84-426E-40DD-AFC4-6F175D3DCCD1}">
+              <a14:hiddenFill xmlns:a14="http://schemas.microsoft.com/office/drawing/2010/main">
+                <a:solidFill>
+                  <a:srgbClr val="FFFFFF"/>
+                </a:solidFill>
+              </a14:hiddenFill>
+            </a:ext>
+          </a:extLst>
+        </p:spPr>
+      </p:pic>
+      <p:pic>
+        <p:nvPicPr>
+          <p:cNvPr id="6" name="Picture 5"/>
+          <p:cNvPicPr>
+            <a:picLocks noChangeAspect="1"/>
+          </p:cNvPicPr>
+          <p:nvPr/>
+        </p:nvPicPr>
+        <p:blipFill>
+          <a:blip r:embed="rId3">
+            <a:extLst>
+              <a:ext uri="{BEBA8EAE-BF5A-486C-A8C5-ECC9F3942E4B}">
+                <a14:imgProps xmlns:a14="http://schemas.microsoft.com/office/drawing/2010/main">
+                  <a14:imgLayer r:embed="rId4">
+                    <a14:imgEffect>
+                      <a14:colorTemperature colorTemp="11200"/>
+                    </a14:imgEffect>
+                  </a14:imgLayer>
+                </a14:imgProps>
+              </a:ext>
+            </a:extLst>
+          </a:blip>
+          <a:stretch>
+            <a:fillRect/>
+          </a:stretch>
+        </p:blipFill>
+        <p:spPr>
+          <a:xfrm>
+            <a:off x="1006270" y="2819400"/>
+            <a:ext cx="3790950" cy="2047875"/>
+          </a:xfrm>
+          <a:prstGeom prst="rect">
+            <a:avLst/>
+          </a:prstGeom>
+          <a:ln>
+            <a:noFill/>
+          </a:ln>
+          <a:effectLst>
+            <a:outerShdw blurRad="292100" dist="139700" dir="2700000" algn="tl" rotWithShape="0">
+              <a:srgbClr val="333333">
+                <a:alpha val="65000"/>
+              </a:srgbClr>
+            </a:outerShdw>
+          </a:effectLst>
+        </p:spPr>
+      </p:pic>
     </p:spTree>
     <p:extLst>
       <p:ext uri="{BB962C8B-B14F-4D97-AF65-F5344CB8AC3E}">
-        <p14:creationId xmlns:p14="http://schemas.microsoft.com/office/powerpoint/2010/main" val="876451130"/>
+        <p14:creationId xmlns:p14="http://schemas.microsoft.com/office/powerpoint/2010/main" val="641245081"/>
       </p:ext>
     </p:extLst>
   </p:cSld>
